--- a/Cricket - The Baseball of the British Colonies Andrew Odnoralov.pptx
+++ b/Cricket - The Baseball of the British Colonies Andrew Odnoralov.pptx
@@ -115,6 +115,11 @@
       </a:defRPr>
     </a:lvl9pPr>
   </p:defaultTextStyle>
+  <p:extLst>
+    <p:ext uri="{EFAFB233-063F-42B5-8137-9DF3F51BA10A}">
+      <p15:sldGuideLst xmlns:p15="http://schemas.microsoft.com/office/powerpoint/2012/main"/>
+    </p:ext>
+  </p:extLst>
 </p:presentation>
 </file>
 
@@ -265,7 +270,7 @@
           <a:p>
             <a:fld id="{1E83161A-BC60-4754-8385-D6B9C24D1A87}" type="datetimeFigureOut">
               <a:rPr lang="en-US" smtClean="0"/>
-              <a:t>10/22/2023</a:t>
+              <a:t>3/15/2024</a:t>
             </a:fld>
             <a:endParaRPr lang="en-US"/>
           </a:p>
@@ -463,7 +468,7 @@
           <a:p>
             <a:fld id="{1E83161A-BC60-4754-8385-D6B9C24D1A87}" type="datetimeFigureOut">
               <a:rPr lang="en-US" smtClean="0"/>
-              <a:t>10/22/2023</a:t>
+              <a:t>3/15/2024</a:t>
             </a:fld>
             <a:endParaRPr lang="en-US"/>
           </a:p>
@@ -671,7 +676,7 @@
           <a:p>
             <a:fld id="{1E83161A-BC60-4754-8385-D6B9C24D1A87}" type="datetimeFigureOut">
               <a:rPr lang="en-US" smtClean="0"/>
-              <a:t>10/22/2023</a:t>
+              <a:t>3/15/2024</a:t>
             </a:fld>
             <a:endParaRPr lang="en-US"/>
           </a:p>
@@ -869,7 +874,7 @@
           <a:p>
             <a:fld id="{1E83161A-BC60-4754-8385-D6B9C24D1A87}" type="datetimeFigureOut">
               <a:rPr lang="en-US" smtClean="0"/>
-              <a:t>10/22/2023</a:t>
+              <a:t>3/15/2024</a:t>
             </a:fld>
             <a:endParaRPr lang="en-US"/>
           </a:p>
@@ -1144,7 +1149,7 @@
           <a:p>
             <a:fld id="{1E83161A-BC60-4754-8385-D6B9C24D1A87}" type="datetimeFigureOut">
               <a:rPr lang="en-US" smtClean="0"/>
-              <a:t>10/22/2023</a:t>
+              <a:t>3/15/2024</a:t>
             </a:fld>
             <a:endParaRPr lang="en-US"/>
           </a:p>
@@ -1409,7 +1414,7 @@
           <a:p>
             <a:fld id="{1E83161A-BC60-4754-8385-D6B9C24D1A87}" type="datetimeFigureOut">
               <a:rPr lang="en-US" smtClean="0"/>
-              <a:t>10/22/2023</a:t>
+              <a:t>3/15/2024</a:t>
             </a:fld>
             <a:endParaRPr lang="en-US"/>
           </a:p>
@@ -1821,7 +1826,7 @@
           <a:p>
             <a:fld id="{1E83161A-BC60-4754-8385-D6B9C24D1A87}" type="datetimeFigureOut">
               <a:rPr lang="en-US" smtClean="0"/>
-              <a:t>10/22/2023</a:t>
+              <a:t>3/15/2024</a:t>
             </a:fld>
             <a:endParaRPr lang="en-US"/>
           </a:p>
@@ -1962,7 +1967,7 @@
           <a:p>
             <a:fld id="{1E83161A-BC60-4754-8385-D6B9C24D1A87}" type="datetimeFigureOut">
               <a:rPr lang="en-US" smtClean="0"/>
-              <a:t>10/22/2023</a:t>
+              <a:t>3/15/2024</a:t>
             </a:fld>
             <a:endParaRPr lang="en-US"/>
           </a:p>
@@ -2075,7 +2080,7 @@
           <a:p>
             <a:fld id="{1E83161A-BC60-4754-8385-D6B9C24D1A87}" type="datetimeFigureOut">
               <a:rPr lang="en-US" smtClean="0"/>
-              <a:t>10/22/2023</a:t>
+              <a:t>3/15/2024</a:t>
             </a:fld>
             <a:endParaRPr lang="en-US"/>
           </a:p>
@@ -2386,7 +2391,7 @@
           <a:p>
             <a:fld id="{1E83161A-BC60-4754-8385-D6B9C24D1A87}" type="datetimeFigureOut">
               <a:rPr lang="en-US" smtClean="0"/>
-              <a:t>10/22/2023</a:t>
+              <a:t>3/15/2024</a:t>
             </a:fld>
             <a:endParaRPr lang="en-US"/>
           </a:p>
@@ -2674,7 +2679,7 @@
           <a:p>
             <a:fld id="{1E83161A-BC60-4754-8385-D6B9C24D1A87}" type="datetimeFigureOut">
               <a:rPr lang="en-US" smtClean="0"/>
-              <a:t>10/22/2023</a:t>
+              <a:t>3/15/2024</a:t>
             </a:fld>
             <a:endParaRPr lang="en-US"/>
           </a:p>
@@ -2918,7 +2923,7 @@
           <a:p>
             <a:fld id="{1E83161A-BC60-4754-8385-D6B9C24D1A87}" type="datetimeFigureOut">
               <a:rPr lang="en-US" smtClean="0"/>
-              <a:t>10/22/2023</a:t>
+              <a:t>3/15/2024</a:t>
             </a:fld>
             <a:endParaRPr lang="en-US"/>
           </a:p>
@@ -3475,7 +3480,7 @@
         </p:nvSpPr>
         <p:spPr>
           <a:xfrm>
-            <a:off x="838200" y="365126"/>
+            <a:off x="838199" y="0"/>
             <a:ext cx="10515600" cy="315912"/>
           </a:xfrm>
         </p:spPr>
@@ -3523,7 +3528,7 @@
         </p:blipFill>
         <p:spPr>
           <a:xfrm>
-            <a:off x="5205859" y="3272118"/>
+            <a:off x="2602927" y="3272118"/>
             <a:ext cx="6986141" cy="3585882"/>
           </a:xfrm>
         </p:spPr>
@@ -3556,80 +3561,8 @@
         </p:blipFill>
         <p:spPr>
           <a:xfrm>
-            <a:off x="0" y="681038"/>
-            <a:ext cx="6088820" cy="3121437"/>
-          </a:xfrm>
-          <a:prstGeom prst="rect">
-            <a:avLst/>
-          </a:prstGeom>
-        </p:spPr>
-      </p:pic>
-      <p:pic>
-        <p:nvPicPr>
-          <p:cNvPr id="9" name="Picture 8">
-            <a:extLst>
-              <a:ext uri="{FF2B5EF4-FFF2-40B4-BE49-F238E27FC236}">
-                <a16:creationId xmlns:a16="http://schemas.microsoft.com/office/drawing/2014/main" id="{DD75ECF8-2C05-8730-8B38-BE60F23610D8}"/>
-              </a:ext>
-            </a:extLst>
-          </p:cNvPr>
-          <p:cNvPicPr>
-            <a:picLocks noChangeAspect="1"/>
-          </p:cNvPicPr>
-          <p:nvPr/>
-        </p:nvPicPr>
-        <p:blipFill>
-          <a:blip r:embed="rId4">
-            <a:extLst>
-              <a:ext uri="{28A0092B-C50C-407E-A947-70E740481C1C}">
-                <a14:useLocalDpi xmlns:a14="http://schemas.microsoft.com/office/drawing/2010/main" val="0"/>
-              </a:ext>
-            </a:extLst>
-          </a:blip>
-          <a:stretch>
-            <a:fillRect/>
-          </a:stretch>
-        </p:blipFill>
-        <p:spPr>
-          <a:xfrm>
-            <a:off x="621338" y="3802475"/>
-            <a:ext cx="4261653" cy="3055525"/>
-          </a:xfrm>
-          <a:prstGeom prst="rect">
-            <a:avLst/>
-          </a:prstGeom>
-        </p:spPr>
-      </p:pic>
-      <p:pic>
-        <p:nvPicPr>
-          <p:cNvPr id="11" name="Picture 10">
-            <a:extLst>
-              <a:ext uri="{FF2B5EF4-FFF2-40B4-BE49-F238E27FC236}">
-                <a16:creationId xmlns:a16="http://schemas.microsoft.com/office/drawing/2014/main" id="{33798DA4-9452-5DA2-131D-2B13210C097D}"/>
-              </a:ext>
-            </a:extLst>
-          </p:cNvPr>
-          <p:cNvPicPr>
-            <a:picLocks noChangeAspect="1"/>
-          </p:cNvPicPr>
-          <p:nvPr/>
-        </p:nvPicPr>
-        <p:blipFill>
-          <a:blip r:embed="rId5">
-            <a:extLst>
-              <a:ext uri="{28A0092B-C50C-407E-A947-70E740481C1C}">
-                <a14:useLocalDpi xmlns:a14="http://schemas.microsoft.com/office/drawing/2010/main" val="0"/>
-              </a:ext>
-            </a:extLst>
-          </a:blip>
-          <a:stretch>
-            <a:fillRect/>
-          </a:stretch>
-        </p:blipFill>
-        <p:spPr>
-          <a:xfrm>
-            <a:off x="7172657" y="686334"/>
-            <a:ext cx="3935506" cy="2585784"/>
+            <a:off x="3212743" y="315912"/>
+            <a:ext cx="5766513" cy="2956206"/>
           </a:xfrm>
           <a:prstGeom prst="rect">
             <a:avLst/>
@@ -3968,19 +3901,7 @@
           <a:p>
             <a:r>
               <a:rPr lang="en-US" sz="2400" dirty="0"/>
-              <a:t>Did not feel the need to include Test Cricket as primary metrics were covered – wanted to cover salary and advanced metrics</a:t>
-            </a:r>
-          </a:p>
-          <a:p>
-            <a:r>
-              <a:rPr lang="en-US" sz="2400" dirty="0"/>
               <a:t>Cricket needs player tracking and more public models</a:t>
-            </a:r>
-          </a:p>
-          <a:p>
-            <a:r>
-              <a:rPr lang="en-US" sz="2400" dirty="0"/>
-              <a:t>Income Inequality is afoot in the IPL</a:t>
             </a:r>
           </a:p>
           <a:p>

--- a/Cricket - The Baseball of the British Colonies Andrew Odnoralov.pptx
+++ b/Cricket - The Baseball of the British Colonies Andrew Odnoralov.pptx
@@ -270,7 +270,7 @@
           <a:p>
             <a:fld id="{1E83161A-BC60-4754-8385-D6B9C24D1A87}" type="datetimeFigureOut">
               <a:rPr lang="en-US" smtClean="0"/>
-              <a:t>3/15/2024</a:t>
+              <a:t>3/19/2024</a:t>
             </a:fld>
             <a:endParaRPr lang="en-US"/>
           </a:p>
@@ -468,7 +468,7 @@
           <a:p>
             <a:fld id="{1E83161A-BC60-4754-8385-D6B9C24D1A87}" type="datetimeFigureOut">
               <a:rPr lang="en-US" smtClean="0"/>
-              <a:t>3/15/2024</a:t>
+              <a:t>3/19/2024</a:t>
             </a:fld>
             <a:endParaRPr lang="en-US"/>
           </a:p>
@@ -676,7 +676,7 @@
           <a:p>
             <a:fld id="{1E83161A-BC60-4754-8385-D6B9C24D1A87}" type="datetimeFigureOut">
               <a:rPr lang="en-US" smtClean="0"/>
-              <a:t>3/15/2024</a:t>
+              <a:t>3/19/2024</a:t>
             </a:fld>
             <a:endParaRPr lang="en-US"/>
           </a:p>
@@ -874,7 +874,7 @@
           <a:p>
             <a:fld id="{1E83161A-BC60-4754-8385-D6B9C24D1A87}" type="datetimeFigureOut">
               <a:rPr lang="en-US" smtClean="0"/>
-              <a:t>3/15/2024</a:t>
+              <a:t>3/19/2024</a:t>
             </a:fld>
             <a:endParaRPr lang="en-US"/>
           </a:p>
@@ -1149,7 +1149,7 @@
           <a:p>
             <a:fld id="{1E83161A-BC60-4754-8385-D6B9C24D1A87}" type="datetimeFigureOut">
               <a:rPr lang="en-US" smtClean="0"/>
-              <a:t>3/15/2024</a:t>
+              <a:t>3/19/2024</a:t>
             </a:fld>
             <a:endParaRPr lang="en-US"/>
           </a:p>
@@ -1414,7 +1414,7 @@
           <a:p>
             <a:fld id="{1E83161A-BC60-4754-8385-D6B9C24D1A87}" type="datetimeFigureOut">
               <a:rPr lang="en-US" smtClean="0"/>
-              <a:t>3/15/2024</a:t>
+              <a:t>3/19/2024</a:t>
             </a:fld>
             <a:endParaRPr lang="en-US"/>
           </a:p>
@@ -1826,7 +1826,7 @@
           <a:p>
             <a:fld id="{1E83161A-BC60-4754-8385-D6B9C24D1A87}" type="datetimeFigureOut">
               <a:rPr lang="en-US" smtClean="0"/>
-              <a:t>3/15/2024</a:t>
+              <a:t>3/19/2024</a:t>
             </a:fld>
             <a:endParaRPr lang="en-US"/>
           </a:p>
@@ -1967,7 +1967,7 @@
           <a:p>
             <a:fld id="{1E83161A-BC60-4754-8385-D6B9C24D1A87}" type="datetimeFigureOut">
               <a:rPr lang="en-US" smtClean="0"/>
-              <a:t>3/15/2024</a:t>
+              <a:t>3/19/2024</a:t>
             </a:fld>
             <a:endParaRPr lang="en-US"/>
           </a:p>
@@ -2080,7 +2080,7 @@
           <a:p>
             <a:fld id="{1E83161A-BC60-4754-8385-D6B9C24D1A87}" type="datetimeFigureOut">
               <a:rPr lang="en-US" smtClean="0"/>
-              <a:t>3/15/2024</a:t>
+              <a:t>3/19/2024</a:t>
             </a:fld>
             <a:endParaRPr lang="en-US"/>
           </a:p>
@@ -2391,7 +2391,7 @@
           <a:p>
             <a:fld id="{1E83161A-BC60-4754-8385-D6B9C24D1A87}" type="datetimeFigureOut">
               <a:rPr lang="en-US" smtClean="0"/>
-              <a:t>3/15/2024</a:t>
+              <a:t>3/19/2024</a:t>
             </a:fld>
             <a:endParaRPr lang="en-US"/>
           </a:p>
@@ -2679,7 +2679,7 @@
           <a:p>
             <a:fld id="{1E83161A-BC60-4754-8385-D6B9C24D1A87}" type="datetimeFigureOut">
               <a:rPr lang="en-US" smtClean="0"/>
-              <a:t>3/15/2024</a:t>
+              <a:t>3/19/2024</a:t>
             </a:fld>
             <a:endParaRPr lang="en-US"/>
           </a:p>
@@ -2923,7 +2923,7 @@
           <a:p>
             <a:fld id="{1E83161A-BC60-4754-8385-D6B9C24D1A87}" type="datetimeFigureOut">
               <a:rPr lang="en-US" smtClean="0"/>
-              <a:t>3/15/2024</a:t>
+              <a:t>3/19/2024</a:t>
             </a:fld>
             <a:endParaRPr lang="en-US"/>
           </a:p>
@@ -4145,7 +4145,7 @@
             <a:pPr lvl="1"/>
             <a:r>
               <a:rPr lang="en-US" sz="1400" dirty="0"/>
-              <a:t>Salary data to show drastic wealth gap and broken system (10 years of team control and player auction)</a:t>
+              <a:t>Salary data (10 years of team control and player auction)</a:t>
             </a:r>
           </a:p>
           <a:p>

--- a/Cricket - The Baseball of the British Colonies Andrew Odnoralov.pptx
+++ b/Cricket - The Baseball of the British Colonies Andrew Odnoralov.pptx
@@ -5315,7 +5315,7 @@
         </p:blipFill>
         <p:spPr>
           <a:xfrm>
-            <a:off x="342" y="1247410"/>
+            <a:off x="342" y="1573914"/>
             <a:ext cx="8495638" cy="4363179"/>
           </a:xfrm>
         </p:spPr>
@@ -5348,7 +5348,7 @@
         </p:blipFill>
         <p:spPr>
           <a:xfrm>
-            <a:off x="8495980" y="205460"/>
+            <a:off x="8495637" y="410921"/>
             <a:ext cx="3696020" cy="6447079"/>
           </a:xfrm>
           <a:prstGeom prst="rect">
@@ -5384,7 +5384,7 @@
         </p:blipFill>
         <p:spPr>
           <a:xfrm>
-            <a:off x="5441436" y="592846"/>
+            <a:off x="5441435" y="920907"/>
             <a:ext cx="1309127" cy="1309127"/>
           </a:xfrm>
           <a:prstGeom prst="rect">
